--- a/rapa block.pptx
+++ b/rapa block.pptx
@@ -2976,6 +2976,78 @@
           <a:chExt cx="0" cy="0"/>
         </a:xfrm>
       </p:grpSpPr>
+      <p:cxnSp>
+        <p:nvCxnSpPr>
+          <p:cNvPr id="30" name="직선 연결선 29"/>
+          <p:cNvCxnSpPr/>
+          <p:nvPr/>
+        </p:nvCxnSpPr>
+        <p:spPr>
+          <a:xfrm>
+            <a:off x="10286998" y="2646238"/>
+            <a:ext cx="0" cy="927491"/>
+          </a:xfrm>
+          <a:prstGeom prst="line">
+            <a:avLst/>
+          </a:prstGeom>
+        </p:spPr>
+        <p:style>
+          <a:lnRef idx="1">
+            <a:schemeClr val="accent1"/>
+          </a:lnRef>
+          <a:fillRef idx="0">
+            <a:schemeClr val="accent1"/>
+          </a:fillRef>
+          <a:effectRef idx="0">
+            <a:schemeClr val="accent1"/>
+          </a:effectRef>
+          <a:fontRef idx="minor">
+            <a:schemeClr val="tx1"/>
+          </a:fontRef>
+        </p:style>
+      </p:cxnSp>
+      <p:sp>
+        <p:nvSpPr>
+          <p:cNvPr id="27" name="직사각형 26"/>
+          <p:cNvSpPr/>
+          <p:nvPr/>
+        </p:nvSpPr>
+        <p:spPr>
+          <a:xfrm>
+            <a:off x="9368364" y="913829"/>
+            <a:ext cx="2417236" cy="2051616"/>
+          </a:xfrm>
+          <a:prstGeom prst="rect">
+            <a:avLst/>
+          </a:prstGeom>
+        </p:spPr>
+        <p:style>
+          <a:lnRef idx="2">
+            <a:schemeClr val="accent3"/>
+          </a:lnRef>
+          <a:fillRef idx="1">
+            <a:schemeClr val="lt1"/>
+          </a:fillRef>
+          <a:effectRef idx="0">
+            <a:schemeClr val="accent3"/>
+          </a:effectRef>
+          <a:fontRef idx="minor">
+            <a:schemeClr val="dk1"/>
+          </a:fontRef>
+        </p:style>
+        <p:txBody>
+          <a:bodyPr rtlCol="0" anchor="ctr"/>
+          <a:lstStyle/>
+          <a:p>
+            <a:pPr algn="ctr"/>
+            <a:r>
+              <a:rPr lang="en-US" altLang="ko-KR" dirty="0" smtClean="0"/>
+              <a:t>rp2040</a:t>
+            </a:r>
+            <a:endParaRPr lang="ko-KR" altLang="en-US" dirty="0"/>
+          </a:p>
+        </p:txBody>
+      </p:sp>
       <p:sp>
         <p:nvSpPr>
           <p:cNvPr id="4" name="모서리가 둥근 직사각형 3"/>
@@ -3751,6 +3823,54 @@
           </a:fontRef>
         </p:style>
       </p:cxnSp>
+      <p:sp>
+        <p:nvSpPr>
+          <p:cNvPr id="28" name="직사각형 27"/>
+          <p:cNvSpPr/>
+          <p:nvPr/>
+        </p:nvSpPr>
+        <p:spPr>
+          <a:xfrm>
+            <a:off x="9364126" y="3395536"/>
+            <a:ext cx="2421474" cy="903821"/>
+          </a:xfrm>
+          <a:prstGeom prst="rect">
+            <a:avLst/>
+          </a:prstGeom>
+        </p:spPr>
+        <p:style>
+          <a:lnRef idx="2">
+            <a:schemeClr val="accent3">
+              <a:shade val="50000"/>
+            </a:schemeClr>
+          </a:lnRef>
+          <a:fillRef idx="1">
+            <a:schemeClr val="accent3"/>
+          </a:fillRef>
+          <a:effectRef idx="0">
+            <a:schemeClr val="accent3"/>
+          </a:effectRef>
+          <a:fontRef idx="minor">
+            <a:schemeClr val="lt1"/>
+          </a:fontRef>
+        </p:style>
+        <p:txBody>
+          <a:bodyPr rtlCol="0" anchor="ctr"/>
+          <a:lstStyle/>
+          <a:p>
+            <a:pPr algn="ctr"/>
+            <a:r>
+              <a:rPr lang="ko-KR" altLang="en-US" err="1" smtClean="0"/>
+              <a:t>초음파센서</a:t>
+            </a:r>
+            <a:r>
+              <a:rPr lang="ko-KR" altLang="en-US" dirty="0" smtClean="0"/>
+              <a:t> 연결</a:t>
+            </a:r>
+            <a:endParaRPr lang="ko-KR" altLang="en-US" dirty="0"/>
+          </a:p>
+        </p:txBody>
+      </p:sp>
     </p:spTree>
     <p:extLst>
       <p:ext uri="{BB962C8B-B14F-4D97-AF65-F5344CB8AC3E}">
